--- a/CMP311Presentation.pptx
+++ b/CMP311Presentation.pptx
@@ -5,28 +5,28 @@
     <p:sldMasterId id="2147483648" r:id="rId1"/>
   </p:sldMasterIdLst>
   <p:sldIdLst>
-    <p:sldId id="256" r:id="rId3"/>
-    <p:sldId id="265" r:id="rId4"/>
-    <p:sldId id="257" r:id="rId5"/>
-    <p:sldId id="258" r:id="rId6"/>
-    <p:sldId id="266" r:id="rId7"/>
-    <p:sldId id="271" r:id="rId8"/>
-    <p:sldId id="274" r:id="rId9"/>
-    <p:sldId id="272" r:id="rId10"/>
-    <p:sldId id="273" r:id="rId11"/>
-    <p:sldId id="259" r:id="rId12"/>
-    <p:sldId id="267" r:id="rId13"/>
-    <p:sldId id="268" r:id="rId14"/>
-    <p:sldId id="260" r:id="rId15"/>
-    <p:sldId id="261" r:id="rId16"/>
-    <p:sldId id="262" r:id="rId17"/>
-    <p:sldId id="263" r:id="rId18"/>
-    <p:sldId id="270" r:id="rId19"/>
-    <p:sldId id="269" r:id="rId20"/>
-    <p:sldId id="264" r:id="rId21"/>
+    <p:sldId id="256" r:id="rId2"/>
+    <p:sldId id="265" r:id="rId3"/>
+    <p:sldId id="257" r:id="rId4"/>
+    <p:sldId id="258" r:id="rId5"/>
+    <p:sldId id="266" r:id="rId6"/>
+    <p:sldId id="271" r:id="rId7"/>
+    <p:sldId id="274" r:id="rId8"/>
+    <p:sldId id="272" r:id="rId9"/>
+    <p:sldId id="273" r:id="rId10"/>
+    <p:sldId id="259" r:id="rId11"/>
+    <p:sldId id="267" r:id="rId12"/>
+    <p:sldId id="268" r:id="rId13"/>
+    <p:sldId id="260" r:id="rId14"/>
+    <p:sldId id="261" r:id="rId15"/>
+    <p:sldId id="262" r:id="rId16"/>
+    <p:sldId id="263" r:id="rId17"/>
+    <p:sldId id="270" r:id="rId18"/>
+    <p:sldId id="269" r:id="rId19"/>
+    <p:sldId id="264" r:id="rId20"/>
   </p:sldIdLst>
   <p:sldSz cx="12192000" cy="6858000"/>
-  <p:notesSz cx="7103745" cy="10234295"/>
+  <p:notesSz cx="7104063" cy="10234613"/>
   <p:defaultTextStyle>
     <a:defPPr>
       <a:defRPr lang="en-US"/>
@@ -122,6 +122,14 @@
       </a:defRPr>
     </a:lvl9pPr>
   </p:defaultTextStyle>
+  <p:extLst>
+    <p:ext uri="{EFAFB233-063F-42B5-8137-9DF3F51BA10A}">
+      <p15:sldGuideLst xmlns:p15="http://schemas.microsoft.com/office/powerpoint/2012/main"/>
+    </p:ext>
+    <p:ext uri="{2D200454-40CA-4A62-9FC3-DE9A4176ACB9}">
+      <p15:notesGuideLst xmlns:p15="http://schemas.microsoft.com/office/powerpoint/2012/main"/>
+    </p:ext>
+  </p:extLst>
 </p:presentation>
 </file>
 
@@ -167,10 +175,9 @@
           </a:lstStyle>
           <a:p>
             <a:r>
-              <a:rPr lang="en-US" smtClean="0"/>
+              <a:rPr lang="en-US"/>
               <a:t>Click to edit Master title style</a:t>
             </a:r>
-            <a:endParaRPr lang="en-US"/>
           </a:p>
         </p:txBody>
       </p:sp>
@@ -232,10 +239,9 @@
           </a:lstStyle>
           <a:p>
             <a:r>
-              <a:rPr lang="en-US" smtClean="0"/>
+              <a:rPr lang="en-US"/>
               <a:t>Click to edit Master subtitle style</a:t>
             </a:r>
-            <a:endParaRPr lang="en-US"/>
           </a:p>
         </p:txBody>
       </p:sp>
@@ -256,6 +262,7 @@
           <a:p>
             <a:fld id="{FDE934FF-F4E1-47C5-9CA5-30A81DDE2BE4}" type="datetimeFigureOut">
               <a:rPr lang="en-US" smtClean="0"/>
+              <a:t>4/29/2019</a:t>
             </a:fld>
             <a:endParaRPr lang="en-US"/>
           </a:p>
@@ -297,6 +304,7 @@
           <a:p>
             <a:fld id="{B3561BA9-CDCF-4958-B8AB-66F3BF063E13}" type="slidenum">
               <a:rPr lang="en-US" smtClean="0"/>
+              <a:t>‹#›</a:t>
             </a:fld>
             <a:endParaRPr lang="en-US"/>
           </a:p>
@@ -349,42 +357,37 @@
           <a:p>
             <a:pPr lvl="0"/>
             <a:r>
-              <a:rPr lang="en-US" smtClean="0"/>
+              <a:rPr lang="en-US"/>
               <a:t>Click to edit Master text styles</a:t>
             </a:r>
-            <a:endParaRPr lang="en-US" smtClean="0"/>
           </a:p>
           <a:p>
             <a:pPr lvl="1"/>
             <a:r>
-              <a:rPr lang="en-US" smtClean="0"/>
+              <a:rPr lang="en-US"/>
               <a:t>Second level</a:t>
             </a:r>
-            <a:endParaRPr lang="en-US" smtClean="0"/>
           </a:p>
           <a:p>
             <a:pPr lvl="2"/>
             <a:r>
-              <a:rPr lang="en-US" smtClean="0"/>
+              <a:rPr lang="en-US"/>
               <a:t>Third level</a:t>
             </a:r>
-            <a:endParaRPr lang="en-US" smtClean="0"/>
           </a:p>
           <a:p>
             <a:pPr lvl="3"/>
             <a:r>
-              <a:rPr lang="en-US" smtClean="0"/>
+              <a:rPr lang="en-US"/>
               <a:t>Fourth level</a:t>
             </a:r>
-            <a:endParaRPr lang="en-US" smtClean="0"/>
           </a:p>
           <a:p>
             <a:pPr lvl="4"/>
             <a:r>
-              <a:rPr lang="en-US" smtClean="0"/>
+              <a:rPr lang="en-US"/>
               <a:t>Fifth level</a:t>
             </a:r>
-            <a:endParaRPr lang="en-US"/>
           </a:p>
         </p:txBody>
       </p:sp>
@@ -405,6 +408,7 @@
           <a:p>
             <a:fld id="{FDE934FF-F4E1-47C5-9CA5-30A81DDE2BE4}" type="datetimeFigureOut">
               <a:rPr lang="en-US" smtClean="0"/>
+              <a:t>4/29/2019</a:t>
             </a:fld>
             <a:endParaRPr lang="en-US"/>
           </a:p>
@@ -446,6 +450,7 @@
           <a:p>
             <a:fld id="{B3561BA9-CDCF-4958-B8AB-66F3BF063E13}" type="slidenum">
               <a:rPr lang="en-US" smtClean="0"/>
+              <a:t>‹#›</a:t>
             </a:fld>
             <a:endParaRPr lang="en-US"/>
           </a:p>
@@ -492,10 +497,9 @@
           <a:lstStyle/>
           <a:p>
             <a:r>
-              <a:rPr lang="en-US" smtClean="0"/>
+              <a:rPr lang="en-US"/>
               <a:t>Click to edit Master title style</a:t>
             </a:r>
-            <a:endParaRPr lang="en-US"/>
           </a:p>
         </p:txBody>
       </p:sp>
@@ -516,42 +520,37 @@
           <a:p>
             <a:pPr lvl="0"/>
             <a:r>
-              <a:rPr lang="en-US" smtClean="0"/>
+              <a:rPr lang="en-US"/>
               <a:t>Click to edit Master text styles</a:t>
             </a:r>
-            <a:endParaRPr lang="en-US" smtClean="0"/>
           </a:p>
           <a:p>
             <a:pPr lvl="1"/>
             <a:r>
-              <a:rPr lang="en-US" smtClean="0"/>
+              <a:rPr lang="en-US"/>
               <a:t>Second level</a:t>
             </a:r>
-            <a:endParaRPr lang="en-US" smtClean="0"/>
           </a:p>
           <a:p>
             <a:pPr lvl="2"/>
             <a:r>
-              <a:rPr lang="en-US" smtClean="0"/>
+              <a:rPr lang="en-US"/>
               <a:t>Third level</a:t>
             </a:r>
-            <a:endParaRPr lang="en-US" smtClean="0"/>
           </a:p>
           <a:p>
             <a:pPr lvl="3"/>
             <a:r>
-              <a:rPr lang="en-US" smtClean="0"/>
+              <a:rPr lang="en-US"/>
               <a:t>Fourth level</a:t>
             </a:r>
-            <a:endParaRPr lang="en-US" smtClean="0"/>
           </a:p>
           <a:p>
             <a:pPr lvl="4"/>
             <a:r>
-              <a:rPr lang="en-US" smtClean="0"/>
+              <a:rPr lang="en-US"/>
               <a:t>Fifth level</a:t>
             </a:r>
-            <a:endParaRPr lang="en-US"/>
           </a:p>
         </p:txBody>
       </p:sp>
@@ -572,6 +571,7 @@
           <a:p>
             <a:fld id="{FDE934FF-F4E1-47C5-9CA5-30A81DDE2BE4}" type="datetimeFigureOut">
               <a:rPr lang="en-US" smtClean="0"/>
+              <a:t>4/29/2019</a:t>
             </a:fld>
             <a:endParaRPr lang="en-US"/>
           </a:p>
@@ -613,6 +613,7 @@
           <a:p>
             <a:fld id="{B3561BA9-CDCF-4958-B8AB-66F3BF063E13}" type="slidenum">
               <a:rPr lang="en-US" smtClean="0"/>
+              <a:t>‹#›</a:t>
             </a:fld>
             <a:endParaRPr lang="en-US"/>
           </a:p>
@@ -668,10 +669,9 @@
           </a:lstStyle>
           <a:p>
             <a:r>
-              <a:rPr lang="en-US" smtClean="0"/>
+              <a:rPr lang="en-US"/>
               <a:t>Click to edit Master title style</a:t>
             </a:r>
-            <a:endParaRPr lang="en-US"/>
           </a:p>
         </p:txBody>
       </p:sp>
@@ -788,10 +788,9 @@
           <a:p>
             <a:pPr lvl="0"/>
             <a:r>
-              <a:rPr lang="en-US" smtClean="0"/>
+              <a:rPr lang="en-US"/>
               <a:t>Click to edit Master text styles</a:t>
             </a:r>
-            <a:endParaRPr lang="en-US" smtClean="0"/>
           </a:p>
         </p:txBody>
       </p:sp>
@@ -812,6 +811,7 @@
           <a:p>
             <a:fld id="{FDE934FF-F4E1-47C5-9CA5-30A81DDE2BE4}" type="datetimeFigureOut">
               <a:rPr lang="en-US" smtClean="0"/>
+              <a:t>4/29/2019</a:t>
             </a:fld>
             <a:endParaRPr lang="en-US"/>
           </a:p>
@@ -853,6 +853,7 @@
           <a:p>
             <a:fld id="{B3561BA9-CDCF-4958-B8AB-66F3BF063E13}" type="slidenum">
               <a:rPr lang="en-US" smtClean="0"/>
+              <a:t>‹#›</a:t>
             </a:fld>
             <a:endParaRPr lang="en-US"/>
           </a:p>
@@ -899,10 +900,9 @@
           <a:lstStyle/>
           <a:p>
             <a:r>
-              <a:rPr lang="en-US" smtClean="0"/>
+              <a:rPr lang="en-US"/>
               <a:t>Click to edit Master title style</a:t>
             </a:r>
-            <a:endParaRPr lang="en-US"/>
           </a:p>
         </p:txBody>
       </p:sp>
@@ -928,42 +928,37 @@
           <a:p>
             <a:pPr lvl="0"/>
             <a:r>
-              <a:rPr lang="en-US" smtClean="0"/>
+              <a:rPr lang="en-US"/>
               <a:t>Click to edit Master text styles</a:t>
             </a:r>
-            <a:endParaRPr lang="en-US" smtClean="0"/>
           </a:p>
           <a:p>
             <a:pPr lvl="1"/>
             <a:r>
-              <a:rPr lang="en-US" smtClean="0"/>
+              <a:rPr lang="en-US"/>
               <a:t>Second level</a:t>
             </a:r>
-            <a:endParaRPr lang="en-US" smtClean="0"/>
           </a:p>
           <a:p>
             <a:pPr lvl="2"/>
             <a:r>
-              <a:rPr lang="en-US" smtClean="0"/>
+              <a:rPr lang="en-US"/>
               <a:t>Third level</a:t>
             </a:r>
-            <a:endParaRPr lang="en-US" smtClean="0"/>
           </a:p>
           <a:p>
             <a:pPr lvl="3"/>
             <a:r>
-              <a:rPr lang="en-US" smtClean="0"/>
+              <a:rPr lang="en-US"/>
               <a:t>Fourth level</a:t>
             </a:r>
-            <a:endParaRPr lang="en-US" smtClean="0"/>
           </a:p>
           <a:p>
             <a:pPr lvl="4"/>
             <a:r>
-              <a:rPr lang="en-US" smtClean="0"/>
+              <a:rPr lang="en-US"/>
               <a:t>Fifth level</a:t>
             </a:r>
-            <a:endParaRPr lang="en-US"/>
           </a:p>
         </p:txBody>
       </p:sp>
@@ -989,42 +984,37 @@
           <a:p>
             <a:pPr lvl="0"/>
             <a:r>
-              <a:rPr lang="en-US" smtClean="0"/>
+              <a:rPr lang="en-US"/>
               <a:t>Click to edit Master text styles</a:t>
             </a:r>
-            <a:endParaRPr lang="en-US" smtClean="0"/>
           </a:p>
           <a:p>
             <a:pPr lvl="1"/>
             <a:r>
-              <a:rPr lang="en-US" smtClean="0"/>
+              <a:rPr lang="en-US"/>
               <a:t>Second level</a:t>
             </a:r>
-            <a:endParaRPr lang="en-US" smtClean="0"/>
           </a:p>
           <a:p>
             <a:pPr lvl="2"/>
             <a:r>
-              <a:rPr lang="en-US" smtClean="0"/>
+              <a:rPr lang="en-US"/>
               <a:t>Third level</a:t>
             </a:r>
-            <a:endParaRPr lang="en-US" smtClean="0"/>
           </a:p>
           <a:p>
             <a:pPr lvl="3"/>
             <a:r>
-              <a:rPr lang="en-US" smtClean="0"/>
+              <a:rPr lang="en-US"/>
               <a:t>Fourth level</a:t>
             </a:r>
-            <a:endParaRPr lang="en-US" smtClean="0"/>
           </a:p>
           <a:p>
             <a:pPr lvl="4"/>
             <a:r>
-              <a:rPr lang="en-US" smtClean="0"/>
+              <a:rPr lang="en-US"/>
               <a:t>Fifth level</a:t>
             </a:r>
-            <a:endParaRPr lang="en-US"/>
           </a:p>
         </p:txBody>
       </p:sp>
@@ -1045,6 +1035,7 @@
           <a:p>
             <a:fld id="{FDE934FF-F4E1-47C5-9CA5-30A81DDE2BE4}" type="datetimeFigureOut">
               <a:rPr lang="en-US" smtClean="0"/>
+              <a:t>4/29/2019</a:t>
             </a:fld>
             <a:endParaRPr lang="en-US"/>
           </a:p>
@@ -1086,6 +1077,7 @@
           <a:p>
             <a:fld id="{B3561BA9-CDCF-4958-B8AB-66F3BF063E13}" type="slidenum">
               <a:rPr lang="en-US" smtClean="0"/>
+              <a:t>‹#›</a:t>
             </a:fld>
             <a:endParaRPr lang="en-US"/>
           </a:p>
@@ -1137,10 +1129,9 @@
           <a:lstStyle/>
           <a:p>
             <a:r>
-              <a:rPr lang="en-US" smtClean="0"/>
+              <a:rPr lang="en-US"/>
               <a:t>Click to edit Master title style</a:t>
             </a:r>
-            <a:endParaRPr lang="en-US"/>
           </a:p>
         </p:txBody>
       </p:sp>
@@ -1203,10 +1194,9 @@
           <a:p>
             <a:pPr lvl="0"/>
             <a:r>
-              <a:rPr lang="en-US" smtClean="0"/>
+              <a:rPr lang="en-US"/>
               <a:t>Click to edit Master text styles</a:t>
             </a:r>
-            <a:endParaRPr lang="en-US" smtClean="0"/>
           </a:p>
         </p:txBody>
       </p:sp>
@@ -1232,42 +1222,37 @@
           <a:p>
             <a:pPr lvl="0"/>
             <a:r>
-              <a:rPr lang="en-US" smtClean="0"/>
+              <a:rPr lang="en-US"/>
               <a:t>Click to edit Master text styles</a:t>
             </a:r>
-            <a:endParaRPr lang="en-US" smtClean="0"/>
           </a:p>
           <a:p>
             <a:pPr lvl="1"/>
             <a:r>
-              <a:rPr lang="en-US" smtClean="0"/>
+              <a:rPr lang="en-US"/>
               <a:t>Second level</a:t>
             </a:r>
-            <a:endParaRPr lang="en-US" smtClean="0"/>
           </a:p>
           <a:p>
             <a:pPr lvl="2"/>
             <a:r>
-              <a:rPr lang="en-US" smtClean="0"/>
+              <a:rPr lang="en-US"/>
               <a:t>Third level</a:t>
             </a:r>
-            <a:endParaRPr lang="en-US" smtClean="0"/>
           </a:p>
           <a:p>
             <a:pPr lvl="3"/>
             <a:r>
-              <a:rPr lang="en-US" smtClean="0"/>
+              <a:rPr lang="en-US"/>
               <a:t>Fourth level</a:t>
             </a:r>
-            <a:endParaRPr lang="en-US" smtClean="0"/>
           </a:p>
           <a:p>
             <a:pPr lvl="4"/>
             <a:r>
-              <a:rPr lang="en-US" smtClean="0"/>
+              <a:rPr lang="en-US"/>
               <a:t>Fifth level</a:t>
             </a:r>
-            <a:endParaRPr lang="en-US"/>
           </a:p>
         </p:txBody>
       </p:sp>
@@ -1330,10 +1315,9 @@
           <a:p>
             <a:pPr lvl="0"/>
             <a:r>
-              <a:rPr lang="en-US" smtClean="0"/>
+              <a:rPr lang="en-US"/>
               <a:t>Click to edit Master text styles</a:t>
             </a:r>
-            <a:endParaRPr lang="en-US" smtClean="0"/>
           </a:p>
         </p:txBody>
       </p:sp>
@@ -1359,42 +1343,37 @@
           <a:p>
             <a:pPr lvl="0"/>
             <a:r>
-              <a:rPr lang="en-US" smtClean="0"/>
+              <a:rPr lang="en-US"/>
               <a:t>Click to edit Master text styles</a:t>
             </a:r>
-            <a:endParaRPr lang="en-US" smtClean="0"/>
           </a:p>
           <a:p>
             <a:pPr lvl="1"/>
             <a:r>
-              <a:rPr lang="en-US" smtClean="0"/>
+              <a:rPr lang="en-US"/>
               <a:t>Second level</a:t>
             </a:r>
-            <a:endParaRPr lang="en-US" smtClean="0"/>
           </a:p>
           <a:p>
             <a:pPr lvl="2"/>
             <a:r>
-              <a:rPr lang="en-US" smtClean="0"/>
+              <a:rPr lang="en-US"/>
               <a:t>Third level</a:t>
             </a:r>
-            <a:endParaRPr lang="en-US" smtClean="0"/>
           </a:p>
           <a:p>
             <a:pPr lvl="3"/>
             <a:r>
-              <a:rPr lang="en-US" smtClean="0"/>
+              <a:rPr lang="en-US"/>
               <a:t>Fourth level</a:t>
             </a:r>
-            <a:endParaRPr lang="en-US" smtClean="0"/>
           </a:p>
           <a:p>
             <a:pPr lvl="4"/>
             <a:r>
-              <a:rPr lang="en-US" smtClean="0"/>
+              <a:rPr lang="en-US"/>
               <a:t>Fifth level</a:t>
             </a:r>
-            <a:endParaRPr lang="en-US"/>
           </a:p>
         </p:txBody>
       </p:sp>
@@ -1415,6 +1394,7 @@
           <a:p>
             <a:fld id="{FDE934FF-F4E1-47C5-9CA5-30A81DDE2BE4}" type="datetimeFigureOut">
               <a:rPr lang="en-US" smtClean="0"/>
+              <a:t>4/29/2019</a:t>
             </a:fld>
             <a:endParaRPr lang="en-US"/>
           </a:p>
@@ -1456,6 +1436,7 @@
           <a:p>
             <a:fld id="{B3561BA9-CDCF-4958-B8AB-66F3BF063E13}" type="slidenum">
               <a:rPr lang="en-US" smtClean="0"/>
+              <a:t>‹#›</a:t>
             </a:fld>
             <a:endParaRPr lang="en-US"/>
           </a:p>
@@ -1502,10 +1483,9 @@
           <a:lstStyle/>
           <a:p>
             <a:r>
-              <a:rPr lang="en-US" smtClean="0"/>
+              <a:rPr lang="en-US"/>
               <a:t>Click to edit Master title style</a:t>
             </a:r>
-            <a:endParaRPr lang="en-US"/>
           </a:p>
         </p:txBody>
       </p:sp>
@@ -1526,6 +1506,7 @@
           <a:p>
             <a:fld id="{FDE934FF-F4E1-47C5-9CA5-30A81DDE2BE4}" type="datetimeFigureOut">
               <a:rPr lang="en-US" smtClean="0"/>
+              <a:t>4/29/2019</a:t>
             </a:fld>
             <a:endParaRPr lang="en-US"/>
           </a:p>
@@ -1567,6 +1548,7 @@
           <a:p>
             <a:fld id="{B3561BA9-CDCF-4958-B8AB-66F3BF063E13}" type="slidenum">
               <a:rPr lang="en-US" smtClean="0"/>
+              <a:t>‹#›</a:t>
             </a:fld>
             <a:endParaRPr lang="en-US"/>
           </a:p>
@@ -1614,6 +1596,7 @@
           <a:p>
             <a:fld id="{FDE934FF-F4E1-47C5-9CA5-30A81DDE2BE4}" type="datetimeFigureOut">
               <a:rPr lang="en-US" smtClean="0"/>
+              <a:t>4/29/2019</a:t>
             </a:fld>
             <a:endParaRPr lang="en-US"/>
           </a:p>
@@ -1655,6 +1638,7 @@
           <a:p>
             <a:fld id="{B3561BA9-CDCF-4958-B8AB-66F3BF063E13}" type="slidenum">
               <a:rPr lang="en-US" smtClean="0"/>
+              <a:t>‹#›</a:t>
             </a:fld>
             <a:endParaRPr lang="en-US"/>
           </a:p>
@@ -1710,10 +1694,9 @@
           </a:lstStyle>
           <a:p>
             <a:r>
-              <a:rPr lang="en-US" smtClean="0"/>
+              <a:rPr lang="en-US"/>
               <a:t>Click to edit Master title style</a:t>
             </a:r>
-            <a:endParaRPr lang="en-US"/>
           </a:p>
         </p:txBody>
       </p:sp>
@@ -1837,10 +1820,9 @@
           <a:p>
             <a:pPr lvl="0"/>
             <a:r>
-              <a:rPr lang="en-US" smtClean="0"/>
+              <a:rPr lang="en-US"/>
               <a:t>Click to edit Master text styles</a:t>
             </a:r>
-            <a:endParaRPr lang="en-US" smtClean="0"/>
           </a:p>
         </p:txBody>
       </p:sp>
@@ -1861,6 +1843,7 @@
           <a:p>
             <a:fld id="{FDE934FF-F4E1-47C5-9CA5-30A81DDE2BE4}" type="datetimeFigureOut">
               <a:rPr lang="en-US" smtClean="0"/>
+              <a:t>4/29/2019</a:t>
             </a:fld>
             <a:endParaRPr lang="en-US"/>
           </a:p>
@@ -1902,6 +1885,7 @@
           <a:p>
             <a:fld id="{B3561BA9-CDCF-4958-B8AB-66F3BF063E13}" type="slidenum">
               <a:rPr lang="en-US" smtClean="0"/>
+              <a:t>‹#›</a:t>
             </a:fld>
             <a:endParaRPr lang="en-US"/>
           </a:p>
@@ -1912,13 +1896,6 @@
   <p:clrMapOvr>
     <a:masterClrMapping/>
   </p:clrMapOvr>
-  <p:timing>
-    <p:tnLst>
-      <p:par>
-        <p:cTn id="1" dur="indefinite" restart="never" nodeType="tmRoot"/>
-      </p:par>
-    </p:tnLst>
-  </p:timing>
 </p:sldLayout>
 </file>
 
@@ -1960,10 +1937,9 @@
           <a:lstStyle/>
           <a:p>
             <a:r>
-              <a:rPr lang="en-US" smtClean="0"/>
+              <a:rPr lang="en-US"/>
               <a:t>Click to edit Master title style</a:t>
             </a:r>
-            <a:endParaRPr lang="en-US"/>
           </a:p>
         </p:txBody>
       </p:sp>
@@ -1989,42 +1965,37 @@
           <a:p>
             <a:pPr lvl="0"/>
             <a:r>
-              <a:rPr lang="en-US" smtClean="0"/>
+              <a:rPr lang="en-US"/>
               <a:t>Click to edit Master text styles</a:t>
             </a:r>
-            <a:endParaRPr lang="en-US" smtClean="0"/>
           </a:p>
           <a:p>
             <a:pPr lvl="1"/>
             <a:r>
-              <a:rPr lang="en-US" smtClean="0"/>
+              <a:rPr lang="en-US"/>
               <a:t>Second level</a:t>
             </a:r>
-            <a:endParaRPr lang="en-US" smtClean="0"/>
           </a:p>
           <a:p>
             <a:pPr lvl="2"/>
             <a:r>
-              <a:rPr lang="en-US" smtClean="0"/>
+              <a:rPr lang="en-US"/>
               <a:t>Third level</a:t>
             </a:r>
-            <a:endParaRPr lang="en-US" smtClean="0"/>
           </a:p>
           <a:p>
             <a:pPr lvl="3"/>
             <a:r>
-              <a:rPr lang="en-US" smtClean="0"/>
+              <a:rPr lang="en-US"/>
               <a:t>Fourth level</a:t>
             </a:r>
-            <a:endParaRPr lang="en-US" smtClean="0"/>
           </a:p>
           <a:p>
             <a:pPr lvl="4"/>
             <a:r>
-              <a:rPr lang="en-US" smtClean="0"/>
+              <a:rPr lang="en-US"/>
               <a:t>Fifth level</a:t>
             </a:r>
-            <a:endParaRPr lang="en-US"/>
           </a:p>
         </p:txBody>
       </p:sp>
@@ -2045,6 +2016,7 @@
           <a:p>
             <a:fld id="{FDE934FF-F4E1-47C5-9CA5-30A81DDE2BE4}" type="datetimeFigureOut">
               <a:rPr lang="en-US" smtClean="0"/>
+              <a:t>4/29/2019</a:t>
             </a:fld>
             <a:endParaRPr lang="en-US"/>
           </a:p>
@@ -2086,6 +2058,7 @@
           <a:p>
             <a:fld id="{B3561BA9-CDCF-4958-B8AB-66F3BF063E13}" type="slidenum">
               <a:rPr lang="en-US" smtClean="0"/>
+              <a:t>‹#›</a:t>
             </a:fld>
             <a:endParaRPr lang="en-US"/>
           </a:p>
@@ -2147,10 +2120,9 @@
           <a:lstStyle/>
           <a:p>
             <a:r>
-              <a:rPr lang="en-US" smtClean="0"/>
+              <a:rPr lang="en-US"/>
               <a:t>Click to edit Master title style</a:t>
             </a:r>
-            <a:endParaRPr lang="en-US"/>
           </a:p>
         </p:txBody>
       </p:sp>
@@ -2181,42 +2153,37 @@
           <a:p>
             <a:pPr lvl="0"/>
             <a:r>
-              <a:rPr lang="en-US" smtClean="0"/>
+              <a:rPr lang="en-US"/>
               <a:t>Click to edit Master text styles</a:t>
             </a:r>
-            <a:endParaRPr lang="en-US" smtClean="0"/>
           </a:p>
           <a:p>
             <a:pPr lvl="1"/>
             <a:r>
-              <a:rPr lang="en-US" smtClean="0"/>
+              <a:rPr lang="en-US"/>
               <a:t>Second level</a:t>
             </a:r>
-            <a:endParaRPr lang="en-US" smtClean="0"/>
           </a:p>
           <a:p>
             <a:pPr lvl="2"/>
             <a:r>
-              <a:rPr lang="en-US" smtClean="0"/>
+              <a:rPr lang="en-US"/>
               <a:t>Third level</a:t>
             </a:r>
-            <a:endParaRPr lang="en-US" smtClean="0"/>
           </a:p>
           <a:p>
             <a:pPr lvl="3"/>
             <a:r>
-              <a:rPr lang="en-US" smtClean="0"/>
+              <a:rPr lang="en-US"/>
               <a:t>Fourth level</a:t>
             </a:r>
-            <a:endParaRPr lang="en-US" smtClean="0"/>
           </a:p>
           <a:p>
             <a:pPr lvl="4"/>
             <a:r>
-              <a:rPr lang="en-US" smtClean="0"/>
+              <a:rPr lang="en-US"/>
               <a:t>Fifth level</a:t>
             </a:r>
-            <a:endParaRPr lang="en-US"/>
           </a:p>
         </p:txBody>
       </p:sp>
@@ -2255,6 +2222,7 @@
           <a:p>
             <a:fld id="{FDE934FF-F4E1-47C5-9CA5-30A81DDE2BE4}" type="datetimeFigureOut">
               <a:rPr lang="en-US" smtClean="0"/>
+              <a:t>4/29/2019</a:t>
             </a:fld>
             <a:endParaRPr lang="en-US"/>
           </a:p>
@@ -2332,6 +2300,7 @@
           <a:p>
             <a:fld id="{B3561BA9-CDCF-4958-B8AB-66F3BF063E13}" type="slidenum">
               <a:rPr lang="en-US" smtClean="0"/>
+              <a:t>‹#›</a:t>
             </a:fld>
             <a:endParaRPr lang="en-US"/>
           </a:p>
@@ -2644,7 +2613,14 @@
         <p:cNvGrpSpPr/>
         <p:nvPr/>
       </p:nvGrpSpPr>
-      <p:grpSpPr/>
+      <p:grpSpPr>
+        <a:xfrm>
+          <a:off x="0" y="0"/>
+          <a:ext cx="0" cy="0"/>
+          <a:chOff x="0" y="0"/>
+          <a:chExt cx="0" cy="0"/>
+        </a:xfrm>
+      </p:grpSpPr>
       <p:sp>
         <p:nvSpPr>
           <p:cNvPr id="2" name="Title 1"/>
@@ -2663,12 +2639,12 @@
         </p:spPr>
         <p:txBody>
           <a:bodyPr/>
+          <a:lstStyle/>
           <a:p>
             <a:r>
               <a:rPr lang="" altLang="en-US" b="1"/>
               <a:t>Team DNS</a:t>
             </a:r>
-            <a:endParaRPr lang="" altLang="en-US" b="1"/>
           </a:p>
         </p:txBody>
       </p:sp>
@@ -2690,8 +2666,9 @@
         </p:spPr>
         <p:txBody>
           <a:bodyPr>
-            <a:normAutofit lnSpcReduction="20000"/>
+            <a:normAutofit/>
           </a:bodyPr>
+          <a:lstStyle/>
           <a:p>
             <a:pPr>
               <a:lnSpc>
@@ -2714,7 +2691,6 @@
               <a:rPr lang="" altLang="en-US"/>
               <a:t>CMP311</a:t>
             </a:r>
-            <a:endParaRPr lang="" altLang="en-US"/>
           </a:p>
           <a:p>
             <a:pPr>
@@ -2726,7 +2702,6 @@
               <a:rPr lang="" altLang="en-US"/>
               <a:t>Dorota Marczak, Nader Sobhi, Scott Allan</a:t>
             </a:r>
-            <a:endParaRPr lang="" altLang="en-US"/>
           </a:p>
           <a:p>
             <a:pPr>
@@ -2738,7 +2713,6 @@
               <a:rPr lang="" altLang="en-US"/>
               <a:t>April 30th 2019</a:t>
             </a:r>
-            <a:endParaRPr lang="" altLang="en-US"/>
           </a:p>
           <a:p>
             <a:endParaRPr lang="" altLang="en-US"/>
@@ -2762,7 +2736,14 @@
         <p:cNvGrpSpPr/>
         <p:nvPr/>
       </p:nvGrpSpPr>
-      <p:grpSpPr/>
+      <p:grpSpPr>
+        <a:xfrm>
+          <a:off x="0" y="0"/>
+          <a:ext cx="0" cy="0"/>
+          <a:chOff x="0" y="0"/>
+          <a:chExt cx="0" cy="0"/>
+        </a:xfrm>
+      </p:grpSpPr>
       <p:sp>
         <p:nvSpPr>
           <p:cNvPr id="2" name="Title 1"/>
@@ -2776,13 +2757,13 @@
         <p:spPr/>
         <p:txBody>
           <a:bodyPr/>
+          <a:lstStyle/>
           <a:p>
             <a:pPr algn="ctr"/>
             <a:r>
               <a:rPr lang="" altLang="en-US" b="1"/>
               <a:t>Results I</a:t>
             </a:r>
-            <a:endParaRPr lang="" altLang="en-US" b="1"/>
           </a:p>
         </p:txBody>
       </p:sp>
@@ -2799,6 +2780,7 @@
         <p:spPr/>
         <p:txBody>
           <a:bodyPr/>
+          <a:lstStyle/>
           <a:p>
             <a:pPr marL="0" indent="0" algn="ctr">
               <a:buNone/>
@@ -2829,7 +2811,6 @@
               <a:rPr lang="" altLang="en-US"/>
               <a:t>Environmental sensors</a:t>
             </a:r>
-            <a:endParaRPr lang="" altLang="en-US"/>
           </a:p>
           <a:p>
             <a:pPr algn="ctr"/>
@@ -2837,7 +2818,6 @@
               <a:rPr lang="" altLang="en-US"/>
               <a:t>Display peripheral</a:t>
             </a:r>
-            <a:endParaRPr lang="" altLang="en-US"/>
           </a:p>
           <a:p>
             <a:pPr algn="ctr"/>
@@ -2876,7 +2856,14 @@
         <p:cNvGrpSpPr/>
         <p:nvPr/>
       </p:nvGrpSpPr>
-      <p:grpSpPr/>
+      <p:grpSpPr>
+        <a:xfrm>
+          <a:off x="0" y="0"/>
+          <a:ext cx="0" cy="0"/>
+          <a:chOff x="0" y="0"/>
+          <a:chExt cx="0" cy="0"/>
+        </a:xfrm>
+      </p:grpSpPr>
       <p:sp>
         <p:nvSpPr>
           <p:cNvPr id="2" name="Title 1"/>
@@ -2890,13 +2877,13 @@
         <p:spPr/>
         <p:txBody>
           <a:bodyPr/>
+          <a:lstStyle/>
           <a:p>
             <a:pPr algn="ctr"/>
             <a:r>
               <a:rPr lang="" altLang="en-US" b="1"/>
               <a:t>Results II</a:t>
             </a:r>
-            <a:endParaRPr lang="" altLang="en-US" b="1"/>
           </a:p>
         </p:txBody>
       </p:sp>
@@ -2913,6 +2900,7 @@
         <p:spPr/>
         <p:txBody>
           <a:bodyPr/>
+          <a:lstStyle/>
           <a:p>
             <a:pPr marL="0" indent="0" algn="ctr">
               <a:buNone/>
@@ -2927,7 +2915,6 @@
               <a:rPr lang="" altLang="en-US" i="1"/>
               <a:t>Database</a:t>
             </a:r>
-            <a:endParaRPr lang="" altLang="en-US" i="1"/>
           </a:p>
           <a:p>
             <a:pPr algn="ctr"/>
@@ -2935,7 +2922,6 @@
               <a:rPr lang="" altLang="en-US"/>
               <a:t>Amazon Web Services</a:t>
             </a:r>
-            <a:endParaRPr lang="" altLang="en-US"/>
           </a:p>
           <a:p>
             <a:pPr algn="ctr"/>
@@ -2943,7 +2929,6 @@
               <a:rPr lang="" altLang="en-US"/>
               <a:t>MySQL</a:t>
             </a:r>
-            <a:endParaRPr lang="" altLang="en-US"/>
           </a:p>
           <a:p>
             <a:pPr algn="ctr"/>
@@ -2978,7 +2963,14 @@
         <p:cNvGrpSpPr/>
         <p:nvPr/>
       </p:nvGrpSpPr>
-      <p:grpSpPr/>
+      <p:grpSpPr>
+        <a:xfrm>
+          <a:off x="0" y="0"/>
+          <a:ext cx="0" cy="0"/>
+          <a:chOff x="0" y="0"/>
+          <a:chExt cx="0" cy="0"/>
+        </a:xfrm>
+      </p:grpSpPr>
       <p:sp>
         <p:nvSpPr>
           <p:cNvPr id="2" name="Title 1"/>
@@ -2992,13 +2984,13 @@
         <p:spPr/>
         <p:txBody>
           <a:bodyPr/>
-          <a:p>
-            <a:pPr algn="ctr"/>
-            <a:r>
-              <a:rPr lang="" altLang="en-US" b="1"/>
+          <a:lstStyle/>
+          <a:p>
+            <a:pPr algn="ctr"/>
+            <a:r>
+              <a:rPr lang="" altLang="en-US" b="1" dirty="0"/>
               <a:t>Results III</a:t>
             </a:r>
-            <a:endParaRPr lang="" altLang="en-US" b="1"/>
           </a:p>
         </p:txBody>
       </p:sp>
@@ -3015,65 +3007,67 @@
         <p:spPr/>
         <p:txBody>
           <a:bodyPr/>
+          <a:lstStyle/>
           <a:p>
             <a:pPr marL="0" indent="0" algn="ctr">
               <a:buNone/>
             </a:pPr>
-            <a:endParaRPr lang="" altLang="en-US" i="1"/>
+            <a:endParaRPr lang="" altLang="en-US" i="1" dirty="0"/>
           </a:p>
           <a:p>
             <a:pPr marL="0" indent="0" algn="ctr">
               <a:buNone/>
             </a:pPr>
             <a:r>
-              <a:rPr lang="" altLang="en-US" i="1"/>
+              <a:rPr lang="" altLang="en-US" i="1" dirty="0"/>
               <a:t>Website</a:t>
             </a:r>
-            <a:endParaRPr lang="" altLang="en-US" i="1"/>
-          </a:p>
-          <a:p>
-            <a:pPr algn="ctr"/>
-            <a:r>
-              <a:rPr lang="" altLang="en-US"/>
+          </a:p>
+          <a:p>
+            <a:pPr algn="ctr"/>
+            <a:r>
+              <a:rPr lang="" altLang="en-US" dirty="0"/>
               <a:t>Developed using Bootstrap, Javascript</a:t>
             </a:r>
-            <a:endParaRPr lang="" altLang="en-US"/>
-          </a:p>
-          <a:p>
-            <a:pPr algn="ctr"/>
-            <a:r>
-              <a:rPr lang="" altLang="en-US"/>
+          </a:p>
+          <a:p>
+            <a:pPr algn="ctr"/>
+            <a:r>
+              <a:rPr lang="" altLang="en-US" dirty="0"/>
               <a:t>Split into two sections:</a:t>
             </a:r>
-            <a:endParaRPr lang="" altLang="en-US"/>
-          </a:p>
-          <a:p>
-            <a:pPr algn="ctr"/>
-            <a:r>
-              <a:rPr lang="" altLang="en-US"/>
+          </a:p>
+          <a:p>
+            <a:pPr algn="ctr"/>
+            <a:r>
+              <a:rPr lang="" altLang="en-US" dirty="0"/>
               <a:t>Digital Business Card</a:t>
             </a:r>
-            <a:endParaRPr lang="" altLang="en-US"/>
-          </a:p>
-          <a:p>
-            <a:pPr algn="ctr"/>
-            <a:r>
-              <a:rPr lang="" altLang="en-US"/>
-              <a:t>Users area - graphs</a:t>
-            </a:r>
-            <a:endParaRPr lang="" altLang="en-US" i="1"/>
+          </a:p>
+          <a:p>
+            <a:pPr algn="ctr"/>
+            <a:r>
+              <a:rPr lang="" altLang="en-US" dirty="0"/>
+              <a:t>Users area – graphs</a:t>
+            </a:r>
           </a:p>
           <a:p>
             <a:pPr marL="0" indent="0" algn="ctr">
               <a:buNone/>
             </a:pPr>
-            <a:endParaRPr lang="" altLang="en-US" i="1"/>
+            <a:endParaRPr lang="" altLang="en-US" i="1" dirty="0"/>
           </a:p>
           <a:p>
             <a:pPr marL="0" indent="0" algn="ctr">
               <a:buNone/>
             </a:pPr>
-            <a:endParaRPr lang="" altLang="en-US" i="1"/>
+            <a:endParaRPr lang="" altLang="en-US" i="1" dirty="0"/>
+          </a:p>
+          <a:p>
+            <a:pPr marL="0" indent="0" algn="ctr">
+              <a:buNone/>
+            </a:pPr>
+            <a:endParaRPr lang="" altLang="en-US" i="1" dirty="0"/>
           </a:p>
         </p:txBody>
       </p:sp>
@@ -3094,7 +3088,14 @@
         <p:cNvGrpSpPr/>
         <p:nvPr/>
       </p:nvGrpSpPr>
-      <p:grpSpPr/>
+      <p:grpSpPr>
+        <a:xfrm>
+          <a:off x="0" y="0"/>
+          <a:ext cx="0" cy="0"/>
+          <a:chOff x="0" y="0"/>
+          <a:chExt cx="0" cy="0"/>
+        </a:xfrm>
+      </p:grpSpPr>
       <p:sp>
         <p:nvSpPr>
           <p:cNvPr id="2" name="Title 1"/>
@@ -3108,13 +3109,13 @@
         <p:spPr/>
         <p:txBody>
           <a:bodyPr/>
+          <a:lstStyle/>
           <a:p>
             <a:pPr algn="ctr"/>
             <a:r>
               <a:rPr lang="" altLang="en-US" b="1"/>
               <a:t>Conclusions</a:t>
             </a:r>
-            <a:endParaRPr lang="" altLang="en-US" b="1"/>
           </a:p>
         </p:txBody>
       </p:sp>
@@ -3131,6 +3132,7 @@
         <p:spPr/>
         <p:txBody>
           <a:bodyPr/>
+          <a:lstStyle/>
           <a:p>
             <a:pPr algn="ctr"/>
             <a:r>
@@ -3190,7 +3192,14 @@
         <p:cNvGrpSpPr/>
         <p:nvPr/>
       </p:nvGrpSpPr>
-      <p:grpSpPr/>
+      <p:grpSpPr>
+        <a:xfrm>
+          <a:off x="0" y="0"/>
+          <a:ext cx="0" cy="0"/>
+          <a:chOff x="0" y="0"/>
+          <a:chExt cx="0" cy="0"/>
+        </a:xfrm>
+      </p:grpSpPr>
       <p:sp>
         <p:nvSpPr>
           <p:cNvPr id="2" name="Title 1"/>
@@ -3204,13 +3213,13 @@
         <p:spPr/>
         <p:txBody>
           <a:bodyPr/>
+          <a:lstStyle/>
           <a:p>
             <a:pPr algn="ctr"/>
             <a:r>
               <a:rPr lang="" altLang="en-US" b="1"/>
               <a:t>Meeting Client Brief</a:t>
             </a:r>
-            <a:endParaRPr lang="" altLang="en-US" b="1"/>
           </a:p>
         </p:txBody>
       </p:sp>
@@ -3227,13 +3236,13 @@
         <p:spPr/>
         <p:txBody>
           <a:bodyPr/>
+          <a:lstStyle/>
           <a:p>
             <a:pPr algn="ctr"/>
             <a:r>
               <a:rPr lang="" altLang="en-US"/>
               <a:t>Hardware device is 'plug and play'</a:t>
             </a:r>
-            <a:endParaRPr lang="" altLang="en-US"/>
           </a:p>
           <a:p>
             <a:pPr algn="ctr"/>
@@ -3241,7 +3250,6 @@
               <a:rPr lang="" altLang="en-US"/>
               <a:t>Website allows user to view current plus historical data</a:t>
             </a:r>
-            <a:endParaRPr lang="" altLang="en-US"/>
           </a:p>
           <a:p>
             <a:pPr algn="ctr"/>
@@ -3251,9 +3259,6 @@
               </a:rPr>
               <a:t>Data collected allows user to make informed decisions</a:t>
             </a:r>
-            <a:endParaRPr lang="en-US" altLang="en-US">
-              <a:sym typeface="+mn-ea"/>
-            </a:endParaRPr>
           </a:p>
           <a:p>
             <a:pPr algn="ctr"/>
@@ -3261,7 +3266,6 @@
               <a:rPr lang="" altLang="en-US"/>
               <a:t>New gadget for digital natives</a:t>
             </a:r>
-            <a:endParaRPr lang="" altLang="en-US"/>
           </a:p>
           <a:p>
             <a:pPr algn="ctr"/>
@@ -3269,7 +3273,6 @@
               <a:rPr lang="" altLang="en-US"/>
               <a:t>Intuitive for use by late adopters</a:t>
             </a:r>
-            <a:endParaRPr lang="" altLang="en-US"/>
           </a:p>
           <a:p>
             <a:pPr algn="ctr"/>
@@ -3277,7 +3280,6 @@
               <a:rPr lang="" altLang="en-US"/>
               <a:t>'Green Tech' = new market opportunities</a:t>
             </a:r>
-            <a:endParaRPr lang="" altLang="en-US"/>
           </a:p>
           <a:p>
             <a:pPr marL="0" indent="0" algn="ctr">
@@ -3304,7 +3306,14 @@
         <p:cNvGrpSpPr/>
         <p:nvPr/>
       </p:nvGrpSpPr>
-      <p:grpSpPr/>
+      <p:grpSpPr>
+        <a:xfrm>
+          <a:off x="0" y="0"/>
+          <a:ext cx="0" cy="0"/>
+          <a:chOff x="0" y="0"/>
+          <a:chExt cx="0" cy="0"/>
+        </a:xfrm>
+      </p:grpSpPr>
       <p:sp>
         <p:nvSpPr>
           <p:cNvPr id="2" name="Title 1"/>
@@ -3318,13 +3327,13 @@
         <p:spPr/>
         <p:txBody>
           <a:bodyPr/>
+          <a:lstStyle/>
           <a:p>
             <a:pPr algn="ctr"/>
             <a:r>
               <a:rPr lang="" altLang="en-US" b="1"/>
               <a:t>Benefits to Client</a:t>
             </a:r>
-            <a:endParaRPr lang="" altLang="en-US" b="1"/>
           </a:p>
         </p:txBody>
       </p:sp>
@@ -3341,13 +3350,13 @@
         <p:spPr/>
         <p:txBody>
           <a:bodyPr/>
+          <a:lstStyle/>
           <a:p>
             <a:pPr algn="ctr"/>
             <a:r>
               <a:rPr lang="" altLang="en-US"/>
               <a:t>Simple device can be used by digital natives / late adopters</a:t>
             </a:r>
-            <a:endParaRPr lang="" altLang="en-US"/>
           </a:p>
           <a:p>
             <a:pPr algn="ctr"/>
@@ -3355,7 +3364,6 @@
               <a:rPr lang="" altLang="en-US"/>
               <a:t>IoT buzz term - on cutting edge</a:t>
             </a:r>
-            <a:endParaRPr lang="" altLang="en-US"/>
           </a:p>
           <a:p>
             <a:pPr algn="ctr"/>
@@ -3363,7 +3371,6 @@
               <a:rPr lang="" altLang="en-US"/>
               <a:t>Creates new market opportunites for APS</a:t>
             </a:r>
-            <a:endParaRPr lang="" altLang="en-US"/>
           </a:p>
           <a:p>
             <a:pPr algn="ctr"/>
@@ -3371,7 +3378,6 @@
               <a:rPr lang="" altLang="en-US"/>
               <a:t>Generate sales in other aspects of business</a:t>
             </a:r>
-            <a:endParaRPr lang="" altLang="en-US"/>
           </a:p>
           <a:p>
             <a:pPr algn="ctr"/>
@@ -3379,7 +3385,6 @@
               <a:rPr lang="" altLang="en-US"/>
               <a:t>Can be used 'in-house'</a:t>
             </a:r>
-            <a:endParaRPr lang="" altLang="en-US"/>
           </a:p>
           <a:p>
             <a:pPr algn="ctr"/>
@@ -3387,7 +3392,6 @@
               <a:rPr lang="" altLang="en-US"/>
               <a:t>Device good basis for upgrading in future</a:t>
             </a:r>
-            <a:endParaRPr lang="" altLang="en-US"/>
           </a:p>
         </p:txBody>
       </p:sp>
@@ -3408,7 +3412,14 @@
         <p:cNvGrpSpPr/>
         <p:nvPr/>
       </p:nvGrpSpPr>
-      <p:grpSpPr/>
+      <p:grpSpPr>
+        <a:xfrm>
+          <a:off x="0" y="0"/>
+          <a:ext cx="0" cy="0"/>
+          <a:chOff x="0" y="0"/>
+          <a:chExt cx="0" cy="0"/>
+        </a:xfrm>
+      </p:grpSpPr>
       <p:sp>
         <p:nvSpPr>
           <p:cNvPr id="2" name="Title 1"/>
@@ -3424,13 +3435,13 @@
           <a:bodyPr>
             <a:normAutofit/>
           </a:bodyPr>
+          <a:lstStyle/>
           <a:p>
             <a:pPr algn="ctr"/>
             <a:r>
               <a:rPr lang="" altLang="en-US" b="1"/>
               <a:t>Reflections &amp; Limitations</a:t>
             </a:r>
-            <a:endParaRPr lang="" altLang="en-US" b="1"/>
           </a:p>
         </p:txBody>
       </p:sp>
@@ -3447,8 +3458,9 @@
         <p:spPr/>
         <p:txBody>
           <a:bodyPr>
-            <a:normAutofit lnSpcReduction="10000"/>
+            <a:normAutofit/>
           </a:bodyPr>
+          <a:lstStyle/>
           <a:p>
             <a:pPr marL="0" indent="0" algn="ctr">
               <a:buNone/>
@@ -3487,7 +3499,6 @@
               <a:rPr lang="" altLang="en-US"/>
               <a:t>Website displays data in intuitive manner</a:t>
             </a:r>
-            <a:endParaRPr lang="" altLang="en-US"/>
           </a:p>
           <a:p>
             <a:pPr marL="0" indent="0" algn="ctr">
@@ -3503,7 +3514,6 @@
               <a:rPr lang="" altLang="en-US" i="1"/>
               <a:t>Limitations</a:t>
             </a:r>
-            <a:endParaRPr lang="" altLang="en-US" i="1"/>
           </a:p>
           <a:p>
             <a:pPr algn="ctr"/>
@@ -3511,7 +3521,6 @@
               <a:rPr lang="" altLang="en-US"/>
               <a:t>Relies on WiFi connection</a:t>
             </a:r>
-            <a:endParaRPr lang="" altLang="en-US"/>
           </a:p>
           <a:p>
             <a:pPr algn="ctr"/>
@@ -3546,7 +3555,14 @@
         <p:cNvGrpSpPr/>
         <p:nvPr/>
       </p:nvGrpSpPr>
-      <p:grpSpPr/>
+      <p:grpSpPr>
+        <a:xfrm>
+          <a:off x="0" y="0"/>
+          <a:ext cx="0" cy="0"/>
+          <a:chOff x="0" y="0"/>
+          <a:chExt cx="0" cy="0"/>
+        </a:xfrm>
+      </p:grpSpPr>
       <p:sp>
         <p:nvSpPr>
           <p:cNvPr id="2" name="Title 1"/>
@@ -3560,13 +3576,13 @@
         <p:spPr/>
         <p:txBody>
           <a:bodyPr/>
+          <a:lstStyle/>
           <a:p>
             <a:pPr algn="ctr"/>
             <a:r>
               <a:rPr lang="" altLang="en-US" b="1"/>
               <a:t>Improvements</a:t>
             </a:r>
-            <a:endParaRPr lang="" altLang="en-US" b="1"/>
           </a:p>
         </p:txBody>
       </p:sp>
@@ -3583,6 +3599,7 @@
         <p:spPr/>
         <p:txBody>
           <a:bodyPr/>
+          <a:lstStyle/>
           <a:p>
             <a:pPr marL="0" indent="0" algn="ctr">
               <a:buNone/>
@@ -3617,9 +3634,6 @@
               </a:rPr>
               <a:t>Remote watering/lighting solution</a:t>
             </a:r>
-            <a:endParaRPr lang="en-US" altLang="en-US">
-              <a:sym typeface="+mn-ea"/>
-            </a:endParaRPr>
           </a:p>
           <a:p>
             <a:pPr algn="ctr"/>
@@ -3629,9 +3643,6 @@
               </a:rPr>
               <a:t>Develop standalone app</a:t>
             </a:r>
-            <a:endParaRPr lang="" altLang="en-US">
-              <a:sym typeface="+mn-ea"/>
-            </a:endParaRPr>
           </a:p>
           <a:p>
             <a:pPr algn="ctr"/>
@@ -3665,7 +3676,14 @@
         <p:cNvGrpSpPr/>
         <p:nvPr/>
       </p:nvGrpSpPr>
-      <p:grpSpPr/>
+      <p:grpSpPr>
+        <a:xfrm>
+          <a:off x="0" y="0"/>
+          <a:ext cx="0" cy="0"/>
+          <a:chOff x="0" y="0"/>
+          <a:chExt cx="0" cy="0"/>
+        </a:xfrm>
+      </p:grpSpPr>
       <p:sp>
         <p:nvSpPr>
           <p:cNvPr id="2" name="Title 1"/>
@@ -3679,13 +3697,13 @@
         <p:spPr/>
         <p:txBody>
           <a:bodyPr/>
+          <a:lstStyle/>
           <a:p>
             <a:pPr algn="ctr"/>
             <a:r>
               <a:rPr lang="" altLang="en-US" b="1"/>
               <a:t>Team Dynamics</a:t>
             </a:r>
-            <a:endParaRPr lang="" altLang="en-US" b="1"/>
           </a:p>
         </p:txBody>
       </p:sp>
@@ -3702,13 +3720,13 @@
         <p:spPr/>
         <p:txBody>
           <a:bodyPr/>
+          <a:lstStyle/>
           <a:p>
             <a:pPr algn="ctr"/>
             <a:r>
               <a:rPr lang="" altLang="en-US"/>
               <a:t>Worked well together</a:t>
             </a:r>
-            <a:endParaRPr lang="" altLang="en-US"/>
           </a:p>
           <a:p>
             <a:pPr algn="ctr"/>
@@ -3716,7 +3734,6 @@
               <a:rPr lang="" altLang="en-US"/>
               <a:t>Unique views on problem solving</a:t>
             </a:r>
-            <a:endParaRPr lang="" altLang="en-US"/>
           </a:p>
           <a:p>
             <a:pPr algn="ctr"/>
@@ -3724,7 +3741,6 @@
               <a:rPr lang="" altLang="en-US"/>
               <a:t>Opportunities to input into whole project</a:t>
             </a:r>
-            <a:endParaRPr lang="" altLang="en-US"/>
           </a:p>
           <a:p>
             <a:pPr algn="ctr"/>
@@ -3732,7 +3748,6 @@
               <a:rPr lang="" altLang="en-US"/>
               <a:t>Discussions rather than arguements</a:t>
             </a:r>
-            <a:endParaRPr lang="" altLang="en-US"/>
           </a:p>
           <a:p>
             <a:pPr algn="ctr"/>
@@ -3740,7 +3755,6 @@
               <a:rPr lang="" altLang="en-US"/>
               <a:t>Learning from peers</a:t>
             </a:r>
-            <a:endParaRPr lang="" altLang="en-US"/>
           </a:p>
           <a:p>
             <a:pPr marL="0" indent="0" algn="ctr">
@@ -3767,7 +3781,14 @@
         <p:cNvGrpSpPr/>
         <p:nvPr/>
       </p:nvGrpSpPr>
-      <p:grpSpPr/>
+      <p:grpSpPr>
+        <a:xfrm>
+          <a:off x="0" y="0"/>
+          <a:ext cx="0" cy="0"/>
+          <a:chOff x="0" y="0"/>
+          <a:chExt cx="0" cy="0"/>
+        </a:xfrm>
+      </p:grpSpPr>
       <p:sp>
         <p:nvSpPr>
           <p:cNvPr id="2" name="Title 1"/>
@@ -3781,13 +3802,13 @@
         <p:spPr/>
         <p:txBody>
           <a:bodyPr/>
+          <a:lstStyle/>
           <a:p>
             <a:pPr algn="ctr"/>
             <a:r>
               <a:rPr lang="" altLang="en-US" b="1"/>
               <a:t>Thanks for Listening</a:t>
             </a:r>
-            <a:endParaRPr lang="" altLang="en-US" b="1"/>
           </a:p>
         </p:txBody>
       </p:sp>
@@ -3804,6 +3825,7 @@
         <p:spPr/>
         <p:txBody>
           <a:bodyPr/>
+          <a:lstStyle/>
           <a:p>
             <a:pPr marL="0" indent="0" algn="ctr">
               <a:buNone/>
@@ -3824,7 +3846,6 @@
               <a:rPr lang="" altLang="en-US" sz="4000" i="1"/>
               <a:t>Any Questions?</a:t>
             </a:r>
-            <a:endParaRPr lang="" altLang="en-US" sz="4000" i="1"/>
           </a:p>
         </p:txBody>
       </p:sp>
@@ -3845,7 +3866,14 @@
         <p:cNvGrpSpPr/>
         <p:nvPr/>
       </p:nvGrpSpPr>
-      <p:grpSpPr/>
+      <p:grpSpPr>
+        <a:xfrm>
+          <a:off x="0" y="0"/>
+          <a:ext cx="0" cy="0"/>
+          <a:chOff x="0" y="0"/>
+          <a:chExt cx="0" cy="0"/>
+        </a:xfrm>
+      </p:grpSpPr>
       <p:sp>
         <p:nvSpPr>
           <p:cNvPr id="2" name="Title 1"/>
@@ -3859,13 +3887,13 @@
         <p:spPr/>
         <p:txBody>
           <a:bodyPr/>
+          <a:lstStyle/>
           <a:p>
             <a:pPr algn="ctr"/>
             <a:r>
               <a:rPr lang="" altLang="en-US" b="1"/>
               <a:t>Brief &amp; Client</a:t>
             </a:r>
-            <a:endParaRPr lang="" altLang="en-US" b="1"/>
           </a:p>
         </p:txBody>
       </p:sp>
@@ -3882,6 +3910,7 @@
         <p:spPr/>
         <p:txBody>
           <a:bodyPr/>
+          <a:lstStyle/>
           <a:p>
             <a:pPr algn="ctr">
               <a:lnSpc>
@@ -3891,10 +3920,14 @@
               <a:buChar char="•"/>
             </a:pPr>
             <a:r>
-              <a:rPr lang="" altLang="en-US"/>
-              <a:t>Create a solution for monitoring a plant</a:t>
-            </a:r>
-            <a:endParaRPr lang="" altLang="en-US"/>
+              <a:rPr lang="" altLang="en-US" dirty="0"/>
+              <a:t>Create a solution for monitoring a plant </a:t>
+            </a:r>
+            <a:r>
+              <a:rPr lang="en-GB" altLang="en-US" dirty="0"/>
+              <a:t>in homes</a:t>
+            </a:r>
+            <a:endParaRPr lang="" altLang="en-US" dirty="0"/>
           </a:p>
           <a:p>
             <a:pPr algn="ctr">
@@ -3905,10 +3938,9 @@
               <a:buChar char="•"/>
             </a:pPr>
             <a:r>
-              <a:rPr lang="" altLang="en-US"/>
+              <a:rPr lang="" altLang="en-US" dirty="0"/>
               <a:t>Hardware device for collecting data</a:t>
             </a:r>
-            <a:endParaRPr lang="" altLang="en-US"/>
           </a:p>
           <a:p>
             <a:pPr algn="ctr">
@@ -3919,10 +3951,9 @@
               <a:buChar char="•"/>
             </a:pPr>
             <a:r>
-              <a:rPr lang="" altLang="en-US"/>
+              <a:rPr lang="" altLang="en-US" dirty="0"/>
               <a:t>Database to hold data</a:t>
             </a:r>
-            <a:endParaRPr lang="" altLang="en-US"/>
           </a:p>
           <a:p>
             <a:pPr algn="ctr">
@@ -3933,10 +3964,9 @@
               <a:buChar char="•"/>
             </a:pPr>
             <a:r>
-              <a:rPr lang="" altLang="en-US"/>
+              <a:rPr lang="" altLang="en-US" dirty="0"/>
               <a:t>Website to display data via graphs</a:t>
             </a:r>
-            <a:endParaRPr lang="" altLang="en-US"/>
           </a:p>
           <a:p>
             <a:pPr algn="ctr">
@@ -3946,7 +3976,7 @@
               <a:buFont typeface="Arial" panose="020B0604020202020204" pitchFamily="34" charset="0"/>
               <a:buChar char="•"/>
             </a:pPr>
-            <a:endParaRPr lang="" altLang="en-US"/>
+            <a:endParaRPr lang="" altLang="en-US" dirty="0"/>
           </a:p>
           <a:p>
             <a:pPr algn="ctr">
@@ -3957,10 +3987,9 @@
               <a:buChar char="•"/>
             </a:pPr>
             <a:r>
-              <a:rPr lang="" altLang="en-US"/>
+              <a:rPr lang="" altLang="en-US" dirty="0"/>
               <a:t>Dr. Lynsay Shepherd, Abertay Plant Systems</a:t>
             </a:r>
-            <a:endParaRPr lang="" altLang="en-US"/>
           </a:p>
           <a:p>
             <a:pPr algn="ctr">
@@ -3971,10 +4000,9 @@
               <a:buChar char="•"/>
             </a:pPr>
             <a:r>
-              <a:rPr lang="" altLang="en-US"/>
+              <a:rPr lang="" altLang="en-US" dirty="0"/>
               <a:t>Required IoT device to expand business</a:t>
             </a:r>
-            <a:endParaRPr lang="" altLang="en-US"/>
           </a:p>
           <a:p>
             <a:pPr algn="ctr">
@@ -3984,7 +4012,7 @@
               <a:buFont typeface="Arial" panose="020B0604020202020204" pitchFamily="34" charset="0"/>
               <a:buChar char="•"/>
             </a:pPr>
-            <a:endParaRPr lang="" altLang="en-US"/>
+            <a:endParaRPr lang="" altLang="en-US" dirty="0"/>
           </a:p>
         </p:txBody>
       </p:sp>
@@ -4005,7 +4033,14 @@
         <p:cNvGrpSpPr/>
         <p:nvPr/>
       </p:nvGrpSpPr>
-      <p:grpSpPr/>
+      <p:grpSpPr>
+        <a:xfrm>
+          <a:off x="0" y="0"/>
+          <a:ext cx="0" cy="0"/>
+          <a:chOff x="0" y="0"/>
+          <a:chExt cx="0" cy="0"/>
+        </a:xfrm>
+      </p:grpSpPr>
       <p:sp>
         <p:nvSpPr>
           <p:cNvPr id="6" name="Title 5"/>
@@ -4019,13 +4054,13 @@
         <p:spPr/>
         <p:txBody>
           <a:bodyPr/>
+          <a:lstStyle/>
           <a:p>
             <a:pPr algn="ctr"/>
             <a:r>
               <a:rPr lang="" altLang="en-US" b="1"/>
               <a:t>Background</a:t>
             </a:r>
-            <a:endParaRPr lang="" altLang="en-US" b="1"/>
           </a:p>
         </p:txBody>
       </p:sp>
@@ -4042,6 +4077,7 @@
         <p:spPr/>
         <p:txBody>
           <a:bodyPr/>
+          <a:lstStyle/>
           <a:p>
             <a:pPr algn="ctr">
               <a:lnSpc>
@@ -4052,7 +4088,6 @@
               <a:rPr lang="" altLang="en-US"/>
               <a:t>Looked at devices currently available</a:t>
             </a:r>
-            <a:endParaRPr lang="" altLang="en-US"/>
           </a:p>
           <a:p>
             <a:pPr algn="ctr">
@@ -4064,7 +4099,6 @@
               <a:rPr lang="" altLang="en-US"/>
               <a:t>Found to be expensive / hard to set up</a:t>
             </a:r>
-            <a:endParaRPr lang="" altLang="en-US"/>
           </a:p>
           <a:p>
             <a:pPr algn="ctr">
@@ -4076,7 +4110,6 @@
               <a:rPr lang="" altLang="en-US"/>
               <a:t>Gap in market for cheaper, 'plug and play' system</a:t>
             </a:r>
-            <a:endParaRPr lang="" altLang="en-US"/>
           </a:p>
           <a:p>
             <a:pPr algn="ctr">
@@ -4088,7 +4121,6 @@
               <a:rPr lang="" altLang="en-US"/>
               <a:t>Had to appeal to experienced gardeners / digital natives</a:t>
             </a:r>
-            <a:endParaRPr lang="" altLang="en-US"/>
           </a:p>
           <a:p>
             <a:pPr algn="ctr">
@@ -4100,7 +4132,6 @@
               <a:rPr lang="" altLang="en-US"/>
               <a:t>Plants as decoration, relaxation aid</a:t>
             </a:r>
-            <a:endParaRPr lang="" altLang="en-US"/>
           </a:p>
           <a:p>
             <a:pPr algn="ctr">
@@ -4112,7 +4143,6 @@
               <a:rPr lang="" altLang="en-US"/>
               <a:t>'Green Tech' becoming more important</a:t>
             </a:r>
-            <a:endParaRPr lang="" altLang="en-US"/>
           </a:p>
           <a:p>
             <a:pPr marL="0" indent="0" algn="ctr">
@@ -4142,7 +4172,14 @@
         <p:cNvGrpSpPr/>
         <p:nvPr/>
       </p:nvGrpSpPr>
-      <p:grpSpPr/>
+      <p:grpSpPr>
+        <a:xfrm>
+          <a:off x="0" y="0"/>
+          <a:ext cx="0" cy="0"/>
+          <a:chOff x="0" y="0"/>
+          <a:chExt cx="0" cy="0"/>
+        </a:xfrm>
+      </p:grpSpPr>
       <p:sp>
         <p:nvSpPr>
           <p:cNvPr id="2" name="Title 1"/>
@@ -4156,13 +4193,13 @@
         <p:spPr/>
         <p:txBody>
           <a:bodyPr/>
+          <a:lstStyle/>
           <a:p>
             <a:pPr algn="ctr"/>
             <a:r>
               <a:rPr lang="" altLang="en-US" b="1"/>
               <a:t>Methodology I</a:t>
             </a:r>
-            <a:endParaRPr lang="" altLang="en-US" b="1"/>
           </a:p>
         </p:txBody>
       </p:sp>
@@ -4179,6 +4216,7 @@
         <p:spPr/>
         <p:txBody>
           <a:bodyPr/>
+          <a:lstStyle/>
           <a:p>
             <a:pPr marL="0" indent="0" algn="ctr">
               <a:lnSpc>
@@ -4202,7 +4240,6 @@
               <a:rPr lang="" altLang="en-US"/>
               <a:t>Promotes communication &amp; collaboration</a:t>
             </a:r>
-            <a:endParaRPr lang="" altLang="en-US"/>
           </a:p>
           <a:p>
             <a:pPr algn="ctr">
@@ -4238,7 +4275,6 @@
               <a:rPr lang="" altLang="en-US"/>
               <a:t>Allows for concurrent development</a:t>
             </a:r>
-            <a:endParaRPr lang="" altLang="en-US"/>
           </a:p>
           <a:p>
             <a:pPr marL="0" indent="0" algn="ctr">
@@ -4268,7 +4304,14 @@
         <p:cNvGrpSpPr/>
         <p:nvPr/>
       </p:nvGrpSpPr>
-      <p:grpSpPr/>
+      <p:grpSpPr>
+        <a:xfrm>
+          <a:off x="0" y="0"/>
+          <a:ext cx="0" cy="0"/>
+          <a:chOff x="0" y="0"/>
+          <a:chExt cx="0" cy="0"/>
+        </a:xfrm>
+      </p:grpSpPr>
       <p:sp>
         <p:nvSpPr>
           <p:cNvPr id="2" name="Title 1"/>
@@ -4282,6 +4325,7 @@
         <p:spPr/>
         <p:txBody>
           <a:bodyPr/>
+          <a:lstStyle/>
           <a:p>
             <a:pPr algn="ctr"/>
             <a:r>
@@ -4290,9 +4334,6 @@
               </a:rPr>
               <a:t>Methodology II</a:t>
             </a:r>
-            <a:endParaRPr lang="" altLang="en-US" b="1">
-              <a:effectLst/>
-            </a:endParaRPr>
           </a:p>
         </p:txBody>
       </p:sp>
@@ -4311,6 +4352,7 @@
           <a:bodyPr>
             <a:normAutofit fontScale="90000" lnSpcReduction="10000"/>
           </a:bodyPr>
+          <a:lstStyle/>
           <a:p>
             <a:pPr algn="ctr">
               <a:lnSpc>
@@ -4333,7 +4375,6 @@
               <a:rPr lang="" altLang="en-US"/>
               <a:t>Sprints - breakdown of work into 'chunks'</a:t>
             </a:r>
-            <a:endParaRPr lang="" altLang="en-US"/>
           </a:p>
           <a:p>
             <a:pPr algn="ctr">
@@ -4345,7 +4386,6 @@
               <a:rPr lang="" altLang="en-US"/>
               <a:t>Values real-world results</a:t>
             </a:r>
-            <a:endParaRPr lang="" altLang="en-US"/>
           </a:p>
           <a:p>
             <a:pPr algn="ctr">
@@ -4357,7 +4397,6 @@
               <a:rPr lang="" altLang="en-US"/>
               <a:t>Leads to continuous improvement</a:t>
             </a:r>
-            <a:endParaRPr lang="" altLang="en-US"/>
           </a:p>
           <a:p>
             <a:pPr marL="0" indent="0" algn="ctr">
@@ -4390,7 +4429,6 @@
               <a:rPr lang="" altLang="en-US"/>
               <a:t>Use test results to refine system</a:t>
             </a:r>
-            <a:endParaRPr lang="" altLang="en-US"/>
           </a:p>
           <a:p>
             <a:pPr algn="ctr">
@@ -4402,7 +4440,6 @@
               <a:rPr lang="" altLang="en-US"/>
               <a:t>Part of workflow</a:t>
             </a:r>
-            <a:endParaRPr lang="" altLang="en-US"/>
           </a:p>
         </p:txBody>
       </p:sp>
@@ -4423,7 +4460,14 @@
         <p:cNvGrpSpPr/>
         <p:nvPr/>
       </p:nvGrpSpPr>
-      <p:grpSpPr/>
+      <p:grpSpPr>
+        <a:xfrm>
+          <a:off x="0" y="0"/>
+          <a:ext cx="0" cy="0"/>
+          <a:chOff x="0" y="0"/>
+          <a:chExt cx="0" cy="0"/>
+        </a:xfrm>
+      </p:grpSpPr>
       <p:pic>
         <p:nvPicPr>
           <p:cNvPr id="13" name="Picture 12" descr="moist"/>
@@ -4433,7 +4477,7 @@
           <p:nvPr/>
         </p:nvPicPr>
         <p:blipFill>
-          <a:blip r:embed="rId1"/>
+          <a:blip r:embed="rId2"/>
           <a:stretch>
             <a:fillRect/>
           </a:stretch>
@@ -4458,16 +4502,23 @@
             <p:ph type="title"/>
           </p:nvPr>
         </p:nvSpPr>
-        <p:spPr/>
-        <p:txBody>
-          <a:bodyPr/>
-          <a:p>
-            <a:pPr algn="ctr"/>
-            <a:r>
-              <a:rPr lang="" altLang="en-US" b="1"/>
+        <p:spPr>
+          <a:xfrm>
+            <a:off x="995680" y="727075"/>
+            <a:ext cx="10515600" cy="1325563"/>
+          </a:xfrm>
+        </p:spPr>
+        <p:txBody>
+          <a:bodyPr>
+            <a:normAutofit/>
+          </a:bodyPr>
+          <a:lstStyle/>
+          <a:p>
+            <a:pPr algn="ctr"/>
+            <a:r>
+              <a:rPr lang="" altLang="en-US" sz="2800" b="1" dirty="0"/>
               <a:t>Technology Used - Hardware</a:t>
             </a:r>
-            <a:endParaRPr lang="" altLang="en-US" b="1"/>
           </a:p>
         </p:txBody>
       </p:sp>
@@ -4480,7 +4531,7 @@
           <p:nvPr/>
         </p:nvPicPr>
         <p:blipFill>
-          <a:blip r:embed="rId2"/>
+          <a:blip r:embed="rId3"/>
           <a:stretch>
             <a:fillRect/>
           </a:stretch>
@@ -4504,7 +4555,7 @@
           <p:nvPr/>
         </p:nvPicPr>
         <p:blipFill>
-          <a:blip r:embed="rId3"/>
+          <a:blip r:embed="rId4"/>
           <a:stretch>
             <a:fillRect/>
           </a:stretch>
@@ -4523,14 +4574,14 @@
         <p:nvPicPr>
           <p:cNvPr id="4" name="Content Placeholder 3" descr="Ardunio"/>
           <p:cNvPicPr>
-            <a:picLocks noChangeAspect="1"/>
+            <a:picLocks noGrp="1" noChangeAspect="1"/>
           </p:cNvPicPr>
           <p:nvPr>
             <p:ph idx="1"/>
           </p:nvPr>
         </p:nvPicPr>
         <p:blipFill>
-          <a:blip r:embed="rId4"/>
+          <a:blip r:embed="rId5"/>
           <a:stretch>
             <a:fillRect/>
           </a:stretch>
@@ -4565,12 +4616,12 @@
           <a:bodyPr wrap="square" rtlCol="0">
             <a:spAutoFit/>
           </a:bodyPr>
+          <a:lstStyle/>
           <a:p>
             <a:r>
               <a:rPr lang="" altLang="en-US" i="1"/>
               <a:t>Arduino Mega2560</a:t>
             </a:r>
-            <a:endParaRPr lang="" altLang="en-US" i="1"/>
           </a:p>
         </p:txBody>
       </p:sp>
@@ -4594,12 +4645,12 @@
           <a:bodyPr wrap="square" rtlCol="0">
             <a:spAutoFit/>
           </a:bodyPr>
+          <a:lstStyle/>
           <a:p>
             <a:r>
               <a:rPr lang="" altLang="en-US" i="1"/>
               <a:t>WEMOS D1 Mini</a:t>
             </a:r>
-            <a:endParaRPr lang="" altLang="en-US" i="1"/>
           </a:p>
         </p:txBody>
       </p:sp>
@@ -4623,12 +4674,12 @@
           <a:bodyPr wrap="square" rtlCol="0">
             <a:spAutoFit/>
           </a:bodyPr>
+          <a:lstStyle/>
           <a:p>
             <a:r>
               <a:rPr lang="" altLang="en-US" i="1"/>
               <a:t>DHT11 Temperature / Humidity Sensor</a:t>
             </a:r>
-            <a:endParaRPr lang="" altLang="en-US" i="1"/>
           </a:p>
         </p:txBody>
       </p:sp>
@@ -4641,7 +4692,7 @@
           <p:nvPr/>
         </p:nvPicPr>
         <p:blipFill>
-          <a:blip r:embed="rId5"/>
+          <a:blip r:embed="rId6"/>
           <a:stretch>
             <a:fillRect/>
           </a:stretch>
@@ -4665,7 +4716,7 @@
           <p:nvPr/>
         </p:nvPicPr>
         <p:blipFill>
-          <a:blip r:embed="rId6"/>
+          <a:blip r:embed="rId7"/>
           <a:stretch>
             <a:fillRect/>
           </a:stretch>
@@ -4700,12 +4751,12 @@
           <a:bodyPr wrap="square" rtlCol="0">
             <a:spAutoFit/>
           </a:bodyPr>
+          <a:lstStyle/>
           <a:p>
             <a:r>
               <a:rPr lang="" altLang="en-US" i="1"/>
               <a:t>TSL2561 Light Sensor</a:t>
             </a:r>
-            <a:endParaRPr lang="" altLang="en-US" i="1"/>
           </a:p>
         </p:txBody>
       </p:sp>
@@ -4729,12 +4780,12 @@
           <a:bodyPr wrap="square" rtlCol="0">
             <a:spAutoFit/>
           </a:bodyPr>
+          <a:lstStyle/>
           <a:p>
             <a:r>
               <a:rPr lang="" altLang="en-US" i="1"/>
               <a:t>YL-38 Moisture Sensor</a:t>
             </a:r>
-            <a:endParaRPr lang="" altLang="en-US" i="1"/>
           </a:p>
         </p:txBody>
       </p:sp>
@@ -4758,12 +4809,72 @@
           <a:bodyPr wrap="none" rtlCol="0">
             <a:spAutoFit/>
           </a:bodyPr>
+          <a:lstStyle/>
           <a:p>
             <a:r>
               <a:rPr lang="" altLang="en-US" i="1"/>
               <a:t>TM1638 LED Display</a:t>
             </a:r>
-            <a:endParaRPr lang="" altLang="en-US" i="1"/>
+          </a:p>
+        </p:txBody>
+      </p:sp>
+      <p:sp>
+        <p:nvSpPr>
+          <p:cNvPr id="15" name="Title 1">
+            <a:extLst>
+              <a:ext uri="{FF2B5EF4-FFF2-40B4-BE49-F238E27FC236}">
+                <a16:creationId xmlns:a16="http://schemas.microsoft.com/office/drawing/2014/main" id="{D1A2759C-A1BD-441D-9300-886161EC68F7}"/>
+              </a:ext>
+            </a:extLst>
+          </p:cNvPr>
+          <p:cNvSpPr txBox="1">
+            <a:spLocks/>
+          </p:cNvSpPr>
+          <p:nvPr/>
+        </p:nvSpPr>
+        <p:spPr>
+          <a:xfrm>
+            <a:off x="849630" y="0"/>
+            <a:ext cx="10515600" cy="1325563"/>
+          </a:xfrm>
+          <a:prstGeom prst="rect">
+            <a:avLst/>
+          </a:prstGeom>
+        </p:spPr>
+        <p:txBody>
+          <a:bodyPr vert="horz" lIns="91440" tIns="45720" rIns="91440" bIns="45720" rtlCol="0" anchor="ctr">
+            <a:normAutofit/>
+          </a:bodyPr>
+          <a:lstStyle>
+            <a:lvl1pPr algn="l" defTabSz="914400" rtl="0" eaLnBrk="1" latinLnBrk="0" hangingPunct="1">
+              <a:lnSpc>
+                <a:spcPct val="90000"/>
+              </a:lnSpc>
+              <a:spcBef>
+                <a:spcPct val="0"/>
+              </a:spcBef>
+              <a:buNone/>
+              <a:defRPr sz="4400" kern="1200">
+                <a:solidFill>
+                  <a:schemeClr val="tx1"/>
+                </a:solidFill>
+                <a:latin typeface="+mj-lt"/>
+                <a:ea typeface="+mj-ea"/>
+                <a:cs typeface="+mj-cs"/>
+              </a:defRPr>
+            </a:lvl1pPr>
+          </a:lstStyle>
+          <a:p>
+            <a:pPr algn="ctr"/>
+            <a:r>
+              <a:rPr lang="" altLang="en-US" b="1" dirty="0"/>
+              <a:t>Methodology II</a:t>
+            </a:r>
+            <a:r>
+              <a:rPr lang="en-GB" altLang="en-US" b="1" dirty="0"/>
+              <a:t>I</a:t>
+            </a:r>
+            <a:endParaRPr lang="" altLang="en-US" b="1" dirty="0"/>
           </a:p>
         </p:txBody>
       </p:sp>
@@ -4784,7 +4895,14 @@
         <p:cNvGrpSpPr/>
         <p:nvPr/>
       </p:nvGrpSpPr>
-      <p:grpSpPr/>
+      <p:grpSpPr>
+        <a:xfrm>
+          <a:off x="0" y="0"/>
+          <a:ext cx="0" cy="0"/>
+          <a:chOff x="0" y="0"/>
+          <a:chExt cx="0" cy="0"/>
+        </a:xfrm>
+      </p:grpSpPr>
       <p:sp>
         <p:nvSpPr>
           <p:cNvPr id="2" name="Title 1"/>
@@ -4797,19 +4915,21 @@
         </p:nvSpPr>
         <p:spPr>
           <a:xfrm>
-            <a:off x="838835" y="53340"/>
+            <a:off x="1280795" y="574675"/>
             <a:ext cx="10515600" cy="935355"/>
           </a:xfrm>
         </p:spPr>
         <p:txBody>
-          <a:bodyPr/>
-          <a:p>
-            <a:pPr algn="ctr"/>
-            <a:r>
-              <a:rPr lang="" altLang="en-US" b="1"/>
+          <a:bodyPr>
+            <a:normAutofit/>
+          </a:bodyPr>
+          <a:lstStyle/>
+          <a:p>
+            <a:pPr algn="ctr"/>
+            <a:r>
+              <a:rPr lang="" altLang="en-US" sz="2800" b="1" dirty="0"/>
               <a:t>Device Circuit Diagram</a:t>
             </a:r>
-            <a:endParaRPr lang="" altLang="en-US" b="1"/>
           </a:p>
         </p:txBody>
       </p:sp>
@@ -4822,7 +4942,7 @@
           <p:nvPr/>
         </p:nvPicPr>
         <p:blipFill>
-          <a:blip r:embed="rId1"/>
+          <a:blip r:embed="rId2"/>
           <a:srcRect l="22186" t="33090" r="21844" b="32388"/>
           <a:stretch>
             <a:fillRect/>
@@ -4830,7 +4950,7 @@
         </p:blipFill>
         <p:spPr>
           <a:xfrm>
-            <a:off x="8056880" y="1169035"/>
+            <a:off x="8034020" y="1603375"/>
             <a:ext cx="3824605" cy="1572895"/>
           </a:xfrm>
           <a:prstGeom prst="rect">
@@ -4842,21 +4962,21 @@
         <p:nvPicPr>
           <p:cNvPr id="4" name="Content Placeholder 3" descr="fullDia"/>
           <p:cNvPicPr>
-            <a:picLocks noChangeAspect="1"/>
+            <a:picLocks noGrp="1" noChangeAspect="1"/>
           </p:cNvPicPr>
           <p:nvPr>
             <p:ph idx="1"/>
           </p:nvPr>
         </p:nvPicPr>
         <p:blipFill>
-          <a:blip r:embed="rId2"/>
+          <a:blip r:embed="rId3"/>
           <a:stretch>
             <a:fillRect/>
           </a:stretch>
         </p:blipFill>
         <p:spPr>
           <a:xfrm>
-            <a:off x="987425" y="826135"/>
+            <a:off x="838835" y="1307465"/>
             <a:ext cx="6894195" cy="5550535"/>
           </a:xfrm>
           <a:prstGeom prst="rect">
@@ -4872,7 +4992,7 @@
         </p:nvSpPr>
         <p:spPr>
           <a:xfrm>
-            <a:off x="8816975" y="2835275"/>
+            <a:off x="8794115" y="3269615"/>
             <a:ext cx="2305050" cy="583565"/>
           </a:xfrm>
           <a:prstGeom prst="rect">
@@ -4884,12 +5004,72 @@
           <a:bodyPr wrap="none" rtlCol="0">
             <a:spAutoFit/>
           </a:bodyPr>
+          <a:lstStyle/>
           <a:p>
             <a:r>
               <a:rPr lang="" altLang="en-US" sz="3200" b="1"/>
               <a:t>fritzing.org</a:t>
             </a:r>
-            <a:endParaRPr lang="" altLang="en-US" sz="3200" b="1"/>
+          </a:p>
+        </p:txBody>
+      </p:sp>
+      <p:sp>
+        <p:nvSpPr>
+          <p:cNvPr id="7" name="Title 1">
+            <a:extLst>
+              <a:ext uri="{FF2B5EF4-FFF2-40B4-BE49-F238E27FC236}">
+                <a16:creationId xmlns:a16="http://schemas.microsoft.com/office/drawing/2014/main" id="{09192617-A13D-4B8A-A131-CD1900D0215A}"/>
+              </a:ext>
+            </a:extLst>
+          </p:cNvPr>
+          <p:cNvSpPr txBox="1">
+            <a:spLocks/>
+          </p:cNvSpPr>
+          <p:nvPr/>
+        </p:nvSpPr>
+        <p:spPr>
+          <a:xfrm>
+            <a:off x="1280795" y="-181452"/>
+            <a:ext cx="10515600" cy="1325563"/>
+          </a:xfrm>
+          <a:prstGeom prst="rect">
+            <a:avLst/>
+          </a:prstGeom>
+        </p:spPr>
+        <p:txBody>
+          <a:bodyPr vert="horz" lIns="91440" tIns="45720" rIns="91440" bIns="45720" rtlCol="0" anchor="ctr">
+            <a:normAutofit/>
+          </a:bodyPr>
+          <a:lstStyle>
+            <a:lvl1pPr algn="l" defTabSz="914400" rtl="0" eaLnBrk="1" latinLnBrk="0" hangingPunct="1">
+              <a:lnSpc>
+                <a:spcPct val="90000"/>
+              </a:lnSpc>
+              <a:spcBef>
+                <a:spcPct val="0"/>
+              </a:spcBef>
+              <a:buNone/>
+              <a:defRPr sz="4400" kern="1200">
+                <a:solidFill>
+                  <a:schemeClr val="tx1"/>
+                </a:solidFill>
+                <a:latin typeface="+mj-lt"/>
+                <a:ea typeface="+mj-ea"/>
+                <a:cs typeface="+mj-cs"/>
+              </a:defRPr>
+            </a:lvl1pPr>
+          </a:lstStyle>
+          <a:p>
+            <a:pPr algn="ctr"/>
+            <a:r>
+              <a:rPr lang="" altLang="en-US" b="1" dirty="0"/>
+              <a:t>Methodology II</a:t>
+            </a:r>
+            <a:r>
+              <a:rPr lang="en-GB" altLang="en-US" b="1" dirty="0"/>
+              <a:t>I</a:t>
+            </a:r>
+            <a:endParaRPr lang="" altLang="en-US" b="1" dirty="0"/>
           </a:p>
         </p:txBody>
       </p:sp>
@@ -4910,7 +5090,14 @@
         <p:cNvGrpSpPr/>
         <p:nvPr/>
       </p:nvGrpSpPr>
-      <p:grpSpPr/>
+      <p:grpSpPr>
+        <a:xfrm>
+          <a:off x="0" y="0"/>
+          <a:ext cx="0" cy="0"/>
+          <a:chOff x="0" y="0"/>
+          <a:chExt cx="0" cy="0"/>
+        </a:xfrm>
+      </p:grpSpPr>
       <p:sp>
         <p:nvSpPr>
           <p:cNvPr id="2" name="Title 1"/>
@@ -4921,16 +5108,23 @@
             <p:ph type="title"/>
           </p:nvPr>
         </p:nvSpPr>
-        <p:spPr/>
-        <p:txBody>
-          <a:bodyPr/>
-          <a:p>
-            <a:pPr algn="ctr"/>
-            <a:r>
-              <a:rPr lang="" altLang="en-US" b="1"/>
+        <p:spPr>
+          <a:xfrm>
+            <a:off x="838200" y="762952"/>
+            <a:ext cx="10515600" cy="1325563"/>
+          </a:xfrm>
+        </p:spPr>
+        <p:txBody>
+          <a:bodyPr>
+            <a:normAutofit/>
+          </a:bodyPr>
+          <a:lstStyle/>
+          <a:p>
+            <a:pPr algn="ctr"/>
+            <a:r>
+              <a:rPr lang="" altLang="en-US" sz="2800" b="1" dirty="0"/>
               <a:t>Technology Used - Database</a:t>
             </a:r>
-            <a:endParaRPr lang="" altLang="en-US" b="1"/>
           </a:p>
         </p:txBody>
       </p:sp>
@@ -4943,7 +5137,7 @@
           <p:nvPr/>
         </p:nvPicPr>
         <p:blipFill>
-          <a:blip r:embed="rId1"/>
+          <a:blip r:embed="rId2"/>
           <a:stretch>
             <a:fillRect/>
           </a:stretch>
@@ -4962,14 +5156,14 @@
         <p:nvPicPr>
           <p:cNvPr id="4" name="Content Placeholder 3" descr="aws"/>
           <p:cNvPicPr>
-            <a:picLocks noChangeAspect="1"/>
+            <a:picLocks noGrp="1" noChangeAspect="1"/>
           </p:cNvPicPr>
           <p:nvPr>
             <p:ph idx="1"/>
           </p:nvPr>
         </p:nvPicPr>
         <p:blipFill>
-          <a:blip r:embed="rId2"/>
+          <a:blip r:embed="rId3"/>
           <a:stretch>
             <a:fillRect/>
           </a:stretch>
@@ -4993,7 +5187,7 @@
           <p:nvPr/>
         </p:nvPicPr>
         <p:blipFill>
-          <a:blip r:embed="rId3"/>
+          <a:blip r:embed="rId4"/>
           <a:stretch>
             <a:fillRect/>
           </a:stretch>
@@ -5008,6 +5202,66 @@
           </a:prstGeom>
         </p:spPr>
       </p:pic>
+      <p:sp>
+        <p:nvSpPr>
+          <p:cNvPr id="6" name="Title 1">
+            <a:extLst>
+              <a:ext uri="{FF2B5EF4-FFF2-40B4-BE49-F238E27FC236}">
+                <a16:creationId xmlns:a16="http://schemas.microsoft.com/office/drawing/2014/main" id="{D4DA8457-7722-483E-992E-F1DB439D5DDA}"/>
+              </a:ext>
+            </a:extLst>
+          </p:cNvPr>
+          <p:cNvSpPr txBox="1">
+            <a:spLocks/>
+          </p:cNvSpPr>
+          <p:nvPr/>
+        </p:nvSpPr>
+        <p:spPr>
+          <a:xfrm>
+            <a:off x="838200" y="40957"/>
+            <a:ext cx="10515600" cy="1325563"/>
+          </a:xfrm>
+          <a:prstGeom prst="rect">
+            <a:avLst/>
+          </a:prstGeom>
+        </p:spPr>
+        <p:txBody>
+          <a:bodyPr vert="horz" lIns="91440" tIns="45720" rIns="91440" bIns="45720" rtlCol="0" anchor="ctr">
+            <a:normAutofit/>
+          </a:bodyPr>
+          <a:lstStyle>
+            <a:lvl1pPr algn="l" defTabSz="914400" rtl="0" eaLnBrk="1" latinLnBrk="0" hangingPunct="1">
+              <a:lnSpc>
+                <a:spcPct val="90000"/>
+              </a:lnSpc>
+              <a:spcBef>
+                <a:spcPct val="0"/>
+              </a:spcBef>
+              <a:buNone/>
+              <a:defRPr sz="4400" kern="1200">
+                <a:solidFill>
+                  <a:schemeClr val="tx1"/>
+                </a:solidFill>
+                <a:latin typeface="+mj-lt"/>
+                <a:ea typeface="+mj-ea"/>
+                <a:cs typeface="+mj-cs"/>
+              </a:defRPr>
+            </a:lvl1pPr>
+          </a:lstStyle>
+          <a:p>
+            <a:pPr algn="ctr"/>
+            <a:r>
+              <a:rPr lang="" altLang="en-US" b="1" dirty="0"/>
+              <a:t>Methodology II</a:t>
+            </a:r>
+            <a:r>
+              <a:rPr lang="en-GB" altLang="en-US" b="1" dirty="0"/>
+              <a:t>I</a:t>
+            </a:r>
+            <a:endParaRPr lang="" altLang="en-US" b="1" dirty="0"/>
+          </a:p>
+        </p:txBody>
+      </p:sp>
     </p:spTree>
   </p:cSld>
   <p:clrMapOvr>
@@ -5025,7 +5279,14 @@
         <p:cNvGrpSpPr/>
         <p:nvPr/>
       </p:nvGrpSpPr>
-      <p:grpSpPr/>
+      <p:grpSpPr>
+        <a:xfrm>
+          <a:off x="0" y="0"/>
+          <a:ext cx="0" cy="0"/>
+          <a:chOff x="0" y="0"/>
+          <a:chExt cx="0" cy="0"/>
+        </a:xfrm>
+      </p:grpSpPr>
       <p:sp>
         <p:nvSpPr>
           <p:cNvPr id="2" name="Title 1"/>
@@ -5036,16 +5297,23 @@
             <p:ph type="title"/>
           </p:nvPr>
         </p:nvSpPr>
-        <p:spPr/>
-        <p:txBody>
-          <a:bodyPr/>
-          <a:p>
-            <a:pPr algn="ctr"/>
-            <a:r>
-              <a:rPr lang="" altLang="en-US" b="1"/>
+        <p:spPr>
+          <a:xfrm>
+            <a:off x="782955" y="682466"/>
+            <a:ext cx="10515600" cy="1325563"/>
+          </a:xfrm>
+        </p:spPr>
+        <p:txBody>
+          <a:bodyPr>
+            <a:normAutofit/>
+          </a:bodyPr>
+          <a:lstStyle/>
+          <a:p>
+            <a:pPr algn="ctr"/>
+            <a:r>
+              <a:rPr lang="" altLang="en-US" sz="2800" b="1" dirty="0"/>
               <a:t>Technology Used - Website</a:t>
             </a:r>
-            <a:endParaRPr lang="" altLang="en-US" b="1"/>
           </a:p>
         </p:txBody>
       </p:sp>
@@ -5058,7 +5326,7 @@
           <p:nvPr/>
         </p:nvPicPr>
         <p:blipFill>
-          <a:blip r:embed="rId1"/>
+          <a:blip r:embed="rId2"/>
           <a:stretch>
             <a:fillRect/>
           </a:stretch>
@@ -5082,7 +5350,7 @@
           <p:nvPr/>
         </p:nvPicPr>
         <p:blipFill>
-          <a:blip r:embed="rId2"/>
+          <a:blip r:embed="rId3"/>
           <a:stretch>
             <a:fillRect/>
           </a:stretch>
@@ -5106,7 +5374,7 @@
           <p:nvPr/>
         </p:nvPicPr>
         <p:blipFill>
-          <a:blip r:embed="rId3"/>
+          <a:blip r:embed="rId4"/>
           <a:stretch>
             <a:fillRect/>
           </a:stretch>
@@ -5121,6 +5389,66 @@
           </a:prstGeom>
         </p:spPr>
       </p:pic>
+      <p:sp>
+        <p:nvSpPr>
+          <p:cNvPr id="6" name="Title 1">
+            <a:extLst>
+              <a:ext uri="{FF2B5EF4-FFF2-40B4-BE49-F238E27FC236}">
+                <a16:creationId xmlns:a16="http://schemas.microsoft.com/office/drawing/2014/main" id="{87DE0921-277C-48BB-B1C9-FED141C32373}"/>
+              </a:ext>
+            </a:extLst>
+          </p:cNvPr>
+          <p:cNvSpPr txBox="1">
+            <a:spLocks/>
+          </p:cNvSpPr>
+          <p:nvPr/>
+        </p:nvSpPr>
+        <p:spPr>
+          <a:xfrm>
+            <a:off x="893445" y="19684"/>
+            <a:ext cx="10515600" cy="1325563"/>
+          </a:xfrm>
+          <a:prstGeom prst="rect">
+            <a:avLst/>
+          </a:prstGeom>
+        </p:spPr>
+        <p:txBody>
+          <a:bodyPr vert="horz" lIns="91440" tIns="45720" rIns="91440" bIns="45720" rtlCol="0" anchor="ctr">
+            <a:normAutofit/>
+          </a:bodyPr>
+          <a:lstStyle>
+            <a:lvl1pPr algn="l" defTabSz="914400" rtl="0" eaLnBrk="1" latinLnBrk="0" hangingPunct="1">
+              <a:lnSpc>
+                <a:spcPct val="90000"/>
+              </a:lnSpc>
+              <a:spcBef>
+                <a:spcPct val="0"/>
+              </a:spcBef>
+              <a:buNone/>
+              <a:defRPr sz="4400" kern="1200">
+                <a:solidFill>
+                  <a:schemeClr val="tx1"/>
+                </a:solidFill>
+                <a:latin typeface="+mj-lt"/>
+                <a:ea typeface="+mj-ea"/>
+                <a:cs typeface="+mj-cs"/>
+              </a:defRPr>
+            </a:lvl1pPr>
+          </a:lstStyle>
+          <a:p>
+            <a:pPr algn="ctr"/>
+            <a:r>
+              <a:rPr lang="" altLang="en-US" b="1" dirty="0"/>
+              <a:t>Methodology II</a:t>
+            </a:r>
+            <a:r>
+              <a:rPr lang="en-GB" altLang="en-US" b="1" dirty="0"/>
+              <a:t>I</a:t>
+            </a:r>
+            <a:endParaRPr lang="" altLang="en-US" b="1" dirty="0"/>
+          </a:p>
+        </p:txBody>
+      </p:sp>
     </p:spTree>
   </p:cSld>
   <p:clrMapOvr>
@@ -5380,6 +5708,8 @@
       </a:bgFillStyleLst>
     </a:fmtScheme>
   </a:themeElements>
+  <a:objectDefaults/>
+  <a:extraClrSchemeLst/>
   <a:extLst>
     <a:ext uri="{05A4C25C-085E-4340-85A3-A5531E510DB2}">
       <thm15:themeFamily xmlns:thm15="http://schemas.microsoft.com/office/thememl/2012/main" name="Office Theme" id="{62F939B6-93AF-4DB8-9C6B-D6C7DFDC589F}" vid="{4A3C46E8-61CC-4603-A589-7422A47A8E4A}"/>
